--- a/study/courses/iis/IIS_lec_10.pptx
+++ b/study/courses/iis/IIS_lec_10.pptx
@@ -122,7 +122,7 @@
   </p:defaultTextStyle>
   <p:extLst>
     <p:ext uri="{EFAFB233-063F-42B5-8137-9DF3F51BA10A}">
-      <p15:sldGuideLst xmlns:p15="http://schemas.microsoft.com/office/powerpoint/2012/main">
+      <p15:sldGuideLst xmlns:p15="http://schemas.microsoft.com/office/powerpoint/2012/main" xmlns="">
         <p15:guide id="1" orient="horz" pos="2160">
           <p15:clr>
             <a:srgbClr val="A4A3A4"/>
@@ -221,7 +221,7 @@
           <a:p>
             <a:fld id="{62782DC0-A7C2-4D6B-A659-1A08DD2913BE}" type="datetimeFigureOut">
               <a:rPr lang="ru-RU" smtClean="0"/>
-              <a:t>21.11.2018</a:t>
+              <a:t>23.11.2018</a:t>
             </a:fld>
             <a:endParaRPr lang="ru-RU"/>
           </a:p>
@@ -670,7 +670,7 @@
           <a:p>
             <a:fld id="{45A22731-384D-4614-90F0-A7C4445C0286}" type="datetime1">
               <a:rPr lang="ru-RU" smtClean="0"/>
-              <a:t>21.11.2018</a:t>
+              <a:t>23.11.2018</a:t>
             </a:fld>
             <a:endParaRPr lang="ru-RU"/>
           </a:p>
@@ -852,7 +852,7 @@
           <a:p>
             <a:fld id="{BC521BCA-673D-4BB5-AF18-6D8B9EB75D71}" type="datetime1">
               <a:rPr lang="ru-RU" smtClean="0"/>
-              <a:t>21.11.2018</a:t>
+              <a:t>23.11.2018</a:t>
             </a:fld>
             <a:endParaRPr lang="ru-RU"/>
           </a:p>
@@ -1044,7 +1044,7 @@
           <a:p>
             <a:fld id="{BBB21246-C48C-4877-B0C0-BF141933AE02}" type="datetime1">
               <a:rPr lang="ru-RU" smtClean="0"/>
-              <a:t>21.11.2018</a:t>
+              <a:t>23.11.2018</a:t>
             </a:fld>
             <a:endParaRPr lang="ru-RU"/>
           </a:p>
@@ -1226,7 +1226,7 @@
           <a:p>
             <a:fld id="{DB623000-0F97-42E0-89EC-0A41D7954ACD}" type="datetime1">
               <a:rPr lang="ru-RU" smtClean="0"/>
-              <a:t>21.11.2018</a:t>
+              <a:t>23.11.2018</a:t>
             </a:fld>
             <a:endParaRPr lang="ru-RU"/>
           </a:p>
@@ -1484,7 +1484,7 @@
           <a:p>
             <a:fld id="{3AF3FC51-B26A-439A-BFA1-B9817BBA6F2A}" type="datetime1">
               <a:rPr lang="ru-RU" smtClean="0"/>
-              <a:t>21.11.2018</a:t>
+              <a:t>23.11.2018</a:t>
             </a:fld>
             <a:endParaRPr lang="ru-RU"/>
           </a:p>
@@ -1784,7 +1784,7 @@
           <a:p>
             <a:fld id="{41E2DA4E-16D4-4250-B79E-2A00049319CE}" type="datetime1">
               <a:rPr lang="ru-RU" smtClean="0"/>
-              <a:t>21.11.2018</a:t>
+              <a:t>23.11.2018</a:t>
             </a:fld>
             <a:endParaRPr lang="ru-RU"/>
           </a:p>
@@ -2223,7 +2223,7 @@
           <a:p>
             <a:fld id="{F240F3B5-4146-468F-9A81-441332E78F98}" type="datetime1">
               <a:rPr lang="ru-RU" smtClean="0"/>
-              <a:t>21.11.2018</a:t>
+              <a:t>23.11.2018</a:t>
             </a:fld>
             <a:endParaRPr lang="ru-RU"/>
           </a:p>
@@ -2353,7 +2353,7 @@
           <a:p>
             <a:fld id="{642765C3-C02B-4865-965E-45D54BB6B06C}" type="datetime1">
               <a:rPr lang="ru-RU" smtClean="0"/>
-              <a:t>21.11.2018</a:t>
+              <a:t>23.11.2018</a:t>
             </a:fld>
             <a:endParaRPr lang="ru-RU"/>
           </a:p>
@@ -2460,7 +2460,7 @@
           <a:p>
             <a:fld id="{FC5E4B80-DAEE-4568-AAA6-A6422A4A9045}" type="datetime1">
               <a:rPr lang="ru-RU" smtClean="0"/>
-              <a:t>21.11.2018</a:t>
+              <a:t>23.11.2018</a:t>
             </a:fld>
             <a:endParaRPr lang="ru-RU"/>
           </a:p>
@@ -2749,7 +2749,7 @@
           <a:p>
             <a:fld id="{3E4F9634-1035-4E09-9E99-87FB4014131B}" type="datetime1">
               <a:rPr lang="ru-RU" smtClean="0"/>
-              <a:t>21.11.2018</a:t>
+              <a:t>23.11.2018</a:t>
             </a:fld>
             <a:endParaRPr lang="ru-RU"/>
           </a:p>
@@ -3014,7 +3014,7 @@
           <a:p>
             <a:fld id="{204C4CAA-9854-4B43-862B-95AD237E742A}" type="datetime1">
               <a:rPr lang="ru-RU" smtClean="0"/>
-              <a:t>21.11.2018</a:t>
+              <a:t>23.11.2018</a:t>
             </a:fld>
             <a:endParaRPr lang="ru-RU"/>
           </a:p>
@@ -3239,7 +3239,7 @@
           <a:p>
             <a:fld id="{9793EB70-923A-483B-822B-0E409CB5E742}" type="datetime1">
               <a:rPr lang="ru-RU" smtClean="0"/>
-              <a:t>21.11.2018</a:t>
+              <a:t>23.11.2018</a:t>
             </a:fld>
             <a:endParaRPr lang="ru-RU"/>
           </a:p>
@@ -3658,18 +3658,7 @@
                   </a:schemeClr>
                 </a:solidFill>
               </a:rPr>
-              <a:t>Рекуррентные нейронные </a:t>
-            </a:r>
-            <a:r>
-              <a:rPr lang="ru-RU" sz="4800" i="1" dirty="0" smtClean="0">
-                <a:solidFill>
-                  <a:schemeClr val="tx2">
-                    <a:lumMod val="60000"/>
-                    <a:lumOff val="40000"/>
-                  </a:schemeClr>
-                </a:solidFill>
-              </a:rPr>
-              <a:t>сети</a:t>
+              <a:t>Рекуррентные нейронные сети</a:t>
             </a:r>
             <a:endParaRPr lang="ru-RU" sz="4800" i="1" dirty="0">
               <a:solidFill>
@@ -4446,10 +4435,6 @@
             <a:r>
               <a:rPr lang="ru-RU" dirty="0"/>
               <a:t>которые можно добавить в состояние ячейки.</a:t>
-            </a:r>
-            <a:r>
-              <a:rPr lang="ru-RU" dirty="0"/>
-              <a:t/>
             </a:r>
             <a:br>
               <a:rPr lang="ru-RU" dirty="0"/>
@@ -8221,10 +8206,6 @@
             <a:r>
               <a:rPr lang="ru-RU" dirty="0"/>
               <a:t>вы понимаете каждое слово, основываясь на понимании предыдущего слова. Мы не выбрасываем из головы все и не начинаем думать с нуля. Наши мысли обладают постоянством.</a:t>
-            </a:r>
-            <a:r>
-              <a:rPr lang="ru-RU" dirty="0"/>
-              <a:t/>
             </a:r>
             <a:br>
               <a:rPr lang="ru-RU" dirty="0"/>
@@ -12645,20 +12626,8 @@
               <a:t>memory, </a:t>
             </a:r>
             <a:r>
-              <a:rPr lang="ru-RU" dirty="0"/>
-              <a:t>д</a:t>
-            </a:r>
-            <a:r>
               <a:rPr lang="ru-RU" dirty="0" smtClean="0"/>
-              <a:t>олгая </a:t>
-            </a:r>
-            <a:r>
-              <a:rPr lang="ru-RU" dirty="0"/>
-              <a:t>краткосрочная </a:t>
-            </a:r>
-            <a:r>
-              <a:rPr lang="ru-RU" dirty="0" smtClean="0"/>
-              <a:t>память</a:t>
+              <a:t>долгая краткосрочная память</a:t>
             </a:r>
             <a:r>
               <a:rPr lang="en-US" dirty="0" smtClean="0"/>

--- a/study/courses/iis/IIS_lec_10.pptx
+++ b/study/courses/iis/IIS_lec_10.pptx
@@ -122,7 +122,7 @@
   </p:defaultTextStyle>
   <p:extLst>
     <p:ext uri="{EFAFB233-063F-42B5-8137-9DF3F51BA10A}">
-      <p15:sldGuideLst xmlns:p15="http://schemas.microsoft.com/office/powerpoint/2012/main" xmlns="">
+      <p15:sldGuideLst xmlns="" xmlns:p15="http://schemas.microsoft.com/office/powerpoint/2012/main">
         <p15:guide id="1" orient="horz" pos="2160">
           <p15:clr>
             <a:srgbClr val="A4A3A4"/>
@@ -12274,7 +12274,7 @@
         <p:spPr>
           <a:xfrm>
             <a:off x="952500" y="4606486"/>
-            <a:ext cx="10258425" cy="1477328"/>
+            <a:ext cx="10258425" cy="1200329"/>
           </a:xfrm>
           <a:prstGeom prst="rect">
             <a:avLst/>
@@ -12293,8 +12293,13 @@
             </a:pPr>
             <a:r>
               <a:rPr lang="ru-RU" dirty="0" smtClean="0"/>
-              <a:t>Объем памяти зависит от размера скрытого слоя.</a:t>
-            </a:r>
+              <a:t>Обучение методом обратного распространения ошибки во времени (</a:t>
+            </a:r>
+            <a:r>
+              <a:rPr lang="en-US" dirty="0" smtClean="0"/>
+              <a:t>back propagation through time)</a:t>
+            </a:r>
+            <a:endParaRPr lang="ru-RU" dirty="0" smtClean="0"/>
           </a:p>
           <a:p>
             <a:pPr marL="285750" indent="-285750">
@@ -12303,18 +12308,13 @@
             </a:pPr>
             <a:r>
               <a:rPr lang="ru-RU" dirty="0" smtClean="0"/>
-              <a:t>Выход – не является чистой функцией от входа, входной сигнал изменяет «память», а выход будет зависеть от того, что в этой «памяти» находится.</a:t>
-            </a:r>
-          </a:p>
-          <a:p>
-            <a:pPr marL="285750" indent="-285750">
-              <a:buFont typeface="Arial" panose="020B0604020202020204" pitchFamily="34" charset="0"/>
-              <a:buChar char="•"/>
-            </a:pPr>
-            <a:r>
-              <a:rPr lang="ru-RU" dirty="0" smtClean="0"/>
-              <a:t>Если на 2, 3 и 4 шагах не было бы входных сигналов, состояние скрытого слоя все равно бы менялось на каждом шаге.</a:t>
-            </a:r>
+              <a:t>Сначала пропускаем сигнал в прямом направлении  через заданное количество последовательностей,  а затем распространяем ошибку в обратную сторону через ту </a:t>
+            </a:r>
+            <a:r>
+              <a:rPr lang="ru-RU" smtClean="0"/>
+              <a:t>же последовательность</a:t>
+            </a:r>
+            <a:endParaRPr lang="ru-RU" dirty="0" smtClean="0"/>
           </a:p>
         </p:txBody>
       </p:sp>
